--- a/RT_scrape.pptx
+++ b/RT_scrape.pptx
@@ -759,6 +759,36 @@
               <a:t>Characters  factors</a:t>
             </a:r>
           </a:p>
+          <a:p>
+            <a:pPr marL="171450" indent="-171450">
+              <a:buFontTx/>
+              <a:buChar char="-"/>
+            </a:pPr>
+            <a:r>
+              <a:rPr lang="en-US" dirty="0" err="1">
+                <a:sym typeface="Wingdings" panose="05000000000000000000" pitchFamily="2" charset="2"/>
+              </a:rPr>
+              <a:t>Baruto</a:t>
+            </a:r>
+            <a:r>
+              <a:rPr lang="en-US" dirty="0">
+                <a:sym typeface="Wingdings" panose="05000000000000000000" pitchFamily="2" charset="2"/>
+              </a:rPr>
+              <a:t>  wrapper </a:t>
+            </a:r>
+            <a:r>
+              <a:rPr lang="en-US" dirty="0" err="1">
+                <a:sym typeface="Wingdings" panose="05000000000000000000" pitchFamily="2" charset="2"/>
+              </a:rPr>
+              <a:t>RandomForest</a:t>
+            </a:r>
+            <a:r>
+              <a:rPr lang="en-US" dirty="0">
+                <a:sym typeface="Wingdings" panose="05000000000000000000" pitchFamily="2" charset="2"/>
+              </a:rPr>
+              <a:t> &amp; removes those stat less relevant</a:t>
+            </a:r>
+          </a:p>
         </p:txBody>
       </p:sp>
       <p:sp>
@@ -1375,13 +1405,8 @@
           <a:p>
             <a:r>
               <a:rPr lang="en-US" dirty="0"/>
-              <a:t>- People look </a:t>
-            </a:r>
-            <a:r>
-              <a:rPr lang="en-US"/>
-              <a:t>at critics</a:t>
-            </a:r>
-            <a:endParaRPr lang="en-US" dirty="0"/>
+              <a:t>- People look at critics</a:t>
+            </a:r>
           </a:p>
           <a:p>
             <a:r>
